--- a/design/Views.pptx
+++ b/design/Views.pptx
@@ -18,6 +18,7 @@
     <p:sldId id="270" r:id="rId12"/>
     <p:sldId id="271" r:id="rId13"/>
     <p:sldId id="272" r:id="rId14"/>
+    <p:sldId id="273" r:id="rId15"/>
   </p:sldIdLst>
   <p:sldSz cx="12192000" cy="6858000"/>
   <p:notesSz cx="6858000" cy="9144000"/>
@@ -6417,6 +6418,1071 @@
 </p:sld>
 </file>
 
+<file path=ppt/slides/slide14.xml><?xml version="1.0" encoding="utf-8"?>
+<p:sld xmlns:a="http://schemas.openxmlformats.org/drawingml/2006/main" xmlns:r="http://schemas.openxmlformats.org/officeDocument/2006/relationships" xmlns:p="http://schemas.openxmlformats.org/presentationml/2006/main">
+  <p:cSld>
+    <p:spTree>
+      <p:nvGrpSpPr>
+        <p:cNvPr id="1" name=""/>
+        <p:cNvGrpSpPr/>
+        <p:nvPr/>
+      </p:nvGrpSpPr>
+      <p:grpSpPr>
+        <a:xfrm>
+          <a:off x="0" y="0"/>
+          <a:ext cx="0" cy="0"/>
+          <a:chOff x="0" y="0"/>
+          <a:chExt cx="0" cy="0"/>
+        </a:xfrm>
+      </p:grpSpPr>
+      <p:sp>
+        <p:nvSpPr>
+          <p:cNvPr id="2" name="Title 1">
+            <a:extLst>
+              <a:ext uri="{FF2B5EF4-FFF2-40B4-BE49-F238E27FC236}">
+                <a16:creationId xmlns:a16="http://schemas.microsoft.com/office/drawing/2014/main" id="{C9694448-08B3-4B20-B745-DAE5BF72BB99}"/>
+              </a:ext>
+            </a:extLst>
+          </p:cNvPr>
+          <p:cNvSpPr>
+            <a:spLocks noGrp="1"/>
+          </p:cNvSpPr>
+          <p:nvPr>
+            <p:ph type="title"/>
+          </p:nvPr>
+        </p:nvSpPr>
+        <p:spPr>
+          <a:xfrm>
+            <a:off x="838200" y="365125"/>
+            <a:ext cx="10515600" cy="688975"/>
+          </a:xfrm>
+        </p:spPr>
+        <p:txBody>
+          <a:bodyPr>
+            <a:normAutofit/>
+          </a:bodyPr>
+          <a:lstStyle/>
+          <a:p>
+            <a:pPr algn="ctr"/>
+            <a:r>
+              <a:rPr lang="en-US" sz="2400" b="1" dirty="0"/>
+              <a:t>Action Constants</a:t>
+            </a:r>
+          </a:p>
+        </p:txBody>
+      </p:sp>
+      <p:sp>
+        <p:nvSpPr>
+          <p:cNvPr id="4" name="Content Placeholder 2">
+            <a:extLst>
+              <a:ext uri="{FF2B5EF4-FFF2-40B4-BE49-F238E27FC236}">
+                <a16:creationId xmlns:a16="http://schemas.microsoft.com/office/drawing/2014/main" id="{8838CE5F-2E80-47C4-A538-61F0B6A5F4B7}"/>
+              </a:ext>
+            </a:extLst>
+          </p:cNvPr>
+          <p:cNvSpPr>
+            <a:spLocks noGrp="1"/>
+          </p:cNvSpPr>
+          <p:nvPr>
+            <p:ph idx="1"/>
+          </p:nvPr>
+        </p:nvSpPr>
+        <p:spPr>
+          <a:xfrm>
+            <a:off x="190500" y="889000"/>
+            <a:ext cx="11785600" cy="5880099"/>
+          </a:xfrm>
+        </p:spPr>
+        <p:txBody>
+          <a:bodyPr>
+            <a:normAutofit fontScale="47500" lnSpcReduction="20000"/>
+          </a:bodyPr>
+          <a:lstStyle/>
+          <a:p>
+            <a:r>
+              <a:rPr lang="en-US" dirty="0"/>
+              <a:t>App Component : </a:t>
+            </a:r>
+            <a:r>
+              <a:rPr lang="en-US" i="1" dirty="0"/>
+              <a:t>get </a:t>
+            </a:r>
+            <a:r>
+              <a:rPr lang="en-US" b="1" dirty="0"/>
+              <a:t>2</a:t>
+            </a:r>
+            <a:r>
+              <a:rPr lang="en-US" b="1" baseline="30000" dirty="0"/>
+              <a:t>nd</a:t>
+            </a:r>
+            <a:r>
+              <a:rPr lang="en-US" b="1" dirty="0"/>
+              <a:t> level components</a:t>
+            </a:r>
+          </a:p>
+          <a:p>
+            <a:pPr lvl="1"/>
+            <a:r>
+              <a:rPr lang="en-US" dirty="0" err="1"/>
+              <a:t>AnswersNav</a:t>
+            </a:r>
+            <a:r>
+              <a:rPr lang="en-US" dirty="0"/>
+              <a:t> Component : </a:t>
+            </a:r>
+            <a:r>
+              <a:rPr lang="en-US" i="1" dirty="0"/>
+              <a:t>get</a:t>
+            </a:r>
+            <a:r>
+              <a:rPr lang="en-US" dirty="0"/>
+              <a:t> </a:t>
+            </a:r>
+            <a:r>
+              <a:rPr lang="en-US" b="1" dirty="0"/>
+              <a:t>Answered and Unanswered Views</a:t>
+            </a:r>
+          </a:p>
+          <a:p>
+            <a:pPr lvl="1"/>
+            <a:r>
+              <a:rPr lang="en-US" dirty="0"/>
+              <a:t>Answered Component : </a:t>
+            </a:r>
+            <a:r>
+              <a:rPr lang="en-US" i="1" dirty="0"/>
+              <a:t>get</a:t>
+            </a:r>
+            <a:r>
+              <a:rPr lang="en-US" dirty="0"/>
+              <a:t> </a:t>
+            </a:r>
+            <a:r>
+              <a:rPr lang="en-US" b="1" dirty="0" err="1"/>
+              <a:t>UserLabel</a:t>
+            </a:r>
+            <a:r>
+              <a:rPr lang="en-US" dirty="0"/>
+              <a:t>, </a:t>
+            </a:r>
+            <a:r>
+              <a:rPr lang="en-US" b="1" dirty="0" err="1"/>
+              <a:t>UserAnswer</a:t>
+            </a:r>
+            <a:r>
+              <a:rPr lang="en-US" b="1" dirty="0"/>
+              <a:t>, </a:t>
+            </a:r>
+            <a:r>
+              <a:rPr lang="en-US" b="1" dirty="0" err="1"/>
+              <a:t>ViewPollButton</a:t>
+            </a:r>
+            <a:r>
+              <a:rPr lang="en-US" b="1" dirty="0"/>
+              <a:t>, Avatar components</a:t>
+            </a:r>
+          </a:p>
+          <a:p>
+            <a:pPr lvl="2"/>
+            <a:r>
+              <a:rPr lang="en-US" dirty="0" err="1"/>
+              <a:t>UserLabel</a:t>
+            </a:r>
+            <a:r>
+              <a:rPr lang="en-US" dirty="0"/>
+              <a:t> Component: </a:t>
+            </a:r>
+            <a:r>
+              <a:rPr lang="en-US" i="1" dirty="0"/>
+              <a:t>renders</a:t>
+            </a:r>
+            <a:r>
+              <a:rPr lang="en-US" b="1" dirty="0"/>
+              <a:t> User Label based on options</a:t>
+            </a:r>
+          </a:p>
+          <a:p>
+            <a:pPr lvl="2"/>
+            <a:r>
+              <a:rPr lang="en-US" dirty="0" err="1"/>
+              <a:t>UserAnswer</a:t>
+            </a:r>
+            <a:r>
+              <a:rPr lang="en-US" dirty="0"/>
+              <a:t> Component: </a:t>
+            </a:r>
+            <a:r>
+              <a:rPr lang="en-US" i="1" dirty="0"/>
+              <a:t>truncates </a:t>
+            </a:r>
+            <a:r>
+              <a:rPr lang="en-US" b="1" dirty="0"/>
+              <a:t>User Answers</a:t>
+            </a:r>
+          </a:p>
+          <a:p>
+            <a:pPr lvl="2"/>
+            <a:r>
+              <a:rPr lang="en-US" dirty="0" err="1"/>
+              <a:t>ViewPollButton</a:t>
+            </a:r>
+            <a:r>
+              <a:rPr lang="en-US" dirty="0"/>
+              <a:t> Component: </a:t>
+            </a:r>
+            <a:r>
+              <a:rPr lang="en-US" i="1" dirty="0"/>
+              <a:t>renders</a:t>
+            </a:r>
+            <a:r>
+              <a:rPr lang="en-US" dirty="0"/>
+              <a:t> </a:t>
+            </a:r>
+            <a:r>
+              <a:rPr lang="en-US" b="1" dirty="0" err="1"/>
+              <a:t>OtherUser</a:t>
+            </a:r>
+            <a:r>
+              <a:rPr lang="en-US" dirty="0"/>
+              <a:t> or </a:t>
+            </a:r>
+            <a:r>
+              <a:rPr lang="en-US" b="1" dirty="0" err="1"/>
+              <a:t>SelfPoll</a:t>
+            </a:r>
+            <a:r>
+              <a:rPr lang="en-US" b="1" dirty="0"/>
+              <a:t> Views</a:t>
+            </a:r>
+          </a:p>
+          <a:p>
+            <a:pPr lvl="2"/>
+            <a:r>
+              <a:rPr lang="en-US" dirty="0"/>
+              <a:t>Avatar Component: </a:t>
+            </a:r>
+            <a:r>
+              <a:rPr lang="en-US" i="1" dirty="0"/>
+              <a:t>renders</a:t>
+            </a:r>
+            <a:r>
+              <a:rPr lang="en-US" dirty="0"/>
+              <a:t> </a:t>
+            </a:r>
+            <a:r>
+              <a:rPr lang="en-US" b="1" dirty="0"/>
+              <a:t>User Avatar</a:t>
+            </a:r>
+          </a:p>
+          <a:p>
+            <a:pPr lvl="1"/>
+            <a:r>
+              <a:rPr lang="en-US" dirty="0" err="1"/>
+              <a:t>NewQuestion</a:t>
+            </a:r>
+            <a:r>
+              <a:rPr lang="en-US" dirty="0"/>
+              <a:t> Component: </a:t>
+            </a:r>
+            <a:r>
+              <a:rPr lang="en-US" i="1" dirty="0"/>
+              <a:t>renders</a:t>
+            </a:r>
+            <a:r>
+              <a:rPr lang="en-US" dirty="0"/>
+              <a:t> </a:t>
+            </a:r>
+            <a:r>
+              <a:rPr lang="en-US" b="1" dirty="0" err="1"/>
+              <a:t>NewQuestionAnswer</a:t>
+            </a:r>
+            <a:r>
+              <a:rPr lang="en-US" b="1" dirty="0"/>
+              <a:t> component</a:t>
+            </a:r>
+          </a:p>
+          <a:p>
+            <a:pPr lvl="2"/>
+            <a:r>
+              <a:rPr lang="en-US" dirty="0" err="1"/>
+              <a:t>NewQuestionAnswer</a:t>
+            </a:r>
+            <a:r>
+              <a:rPr lang="en-US" dirty="0"/>
+              <a:t> Component:  </a:t>
+            </a:r>
+            <a:r>
+              <a:rPr lang="en-US" i="1" dirty="0"/>
+              <a:t>renders</a:t>
+            </a:r>
+            <a:r>
+              <a:rPr lang="en-US" dirty="0"/>
+              <a:t> </a:t>
+            </a:r>
+            <a:r>
+              <a:rPr lang="en-US" b="1" dirty="0"/>
+              <a:t>label; </a:t>
+            </a:r>
+            <a:r>
+              <a:rPr lang="en-US" i="1" dirty="0"/>
+              <a:t>renders</a:t>
+            </a:r>
+            <a:r>
+              <a:rPr lang="en-US" dirty="0"/>
+              <a:t> </a:t>
+            </a:r>
+            <a:r>
+              <a:rPr lang="en-US" b="1" dirty="0"/>
+              <a:t>text boxes</a:t>
+            </a:r>
+          </a:p>
+          <a:p>
+            <a:pPr lvl="1"/>
+            <a:r>
+              <a:rPr lang="en-US" dirty="0" err="1"/>
+              <a:t>OtherUserPoll</a:t>
+            </a:r>
+            <a:r>
+              <a:rPr lang="en-US" dirty="0"/>
+              <a:t> Component: </a:t>
+            </a:r>
+            <a:r>
+              <a:rPr lang="en-US" i="1" dirty="0"/>
+              <a:t>renders</a:t>
+            </a:r>
+            <a:r>
+              <a:rPr lang="en-US" b="1" dirty="0"/>
+              <a:t> </a:t>
+            </a:r>
+            <a:r>
+              <a:rPr lang="en-US" b="1" dirty="0" err="1"/>
+              <a:t>UserLabel</a:t>
+            </a:r>
+            <a:r>
+              <a:rPr lang="en-US" dirty="0"/>
+              <a:t>, </a:t>
+            </a:r>
+            <a:r>
+              <a:rPr lang="en-US" b="1" dirty="0" err="1"/>
+              <a:t>OtherUserPollAnswer</a:t>
+            </a:r>
+            <a:r>
+              <a:rPr lang="en-US" b="1" dirty="0"/>
+              <a:t> and Avatar components</a:t>
+            </a:r>
+          </a:p>
+          <a:p>
+            <a:pPr lvl="2"/>
+            <a:r>
+              <a:rPr lang="en-US" dirty="0" err="1"/>
+              <a:t>UserLabel</a:t>
+            </a:r>
+            <a:r>
+              <a:rPr lang="en-US" dirty="0"/>
+              <a:t> Component: </a:t>
+            </a:r>
+            <a:r>
+              <a:rPr lang="en-US" i="1" dirty="0"/>
+              <a:t>renders</a:t>
+            </a:r>
+            <a:r>
+              <a:rPr lang="en-US" b="1" dirty="0"/>
+              <a:t> User Label based on options</a:t>
+            </a:r>
+          </a:p>
+          <a:p>
+            <a:pPr lvl="2"/>
+            <a:r>
+              <a:rPr lang="en-US" dirty="0" err="1"/>
+              <a:t>OtherUserPollAnswer</a:t>
+            </a:r>
+            <a:r>
+              <a:rPr lang="en-US" dirty="0"/>
+              <a:t> Component: </a:t>
+            </a:r>
+            <a:r>
+              <a:rPr lang="en-US" i="1" dirty="0"/>
+              <a:t>renders</a:t>
+            </a:r>
+            <a:r>
+              <a:rPr lang="en-US" dirty="0"/>
+              <a:t> </a:t>
+            </a:r>
+            <a:r>
+              <a:rPr lang="en-US" b="1" dirty="0"/>
+              <a:t>other user answer results</a:t>
+            </a:r>
+          </a:p>
+          <a:p>
+            <a:pPr lvl="2"/>
+            <a:r>
+              <a:rPr lang="en-US" dirty="0"/>
+              <a:t>Avatar Component: </a:t>
+            </a:r>
+            <a:r>
+              <a:rPr lang="en-US" i="1" dirty="0"/>
+              <a:t>renders</a:t>
+            </a:r>
+            <a:r>
+              <a:rPr lang="en-US" dirty="0"/>
+              <a:t> </a:t>
+            </a:r>
+            <a:r>
+              <a:rPr lang="en-US" b="1" dirty="0"/>
+              <a:t>User Avatar</a:t>
+            </a:r>
+            <a:endParaRPr lang="en-US" dirty="0"/>
+          </a:p>
+          <a:p>
+            <a:pPr lvl="1"/>
+            <a:r>
+              <a:rPr lang="en-US" dirty="0"/>
+              <a:t>Results Component: </a:t>
+            </a:r>
+            <a:r>
+              <a:rPr lang="en-US" i="1" dirty="0"/>
+              <a:t>renders</a:t>
+            </a:r>
+            <a:r>
+              <a:rPr lang="en-US" dirty="0"/>
+              <a:t> </a:t>
+            </a:r>
+            <a:r>
+              <a:rPr lang="en-US" b="1" dirty="0" err="1"/>
+              <a:t>UserLabel</a:t>
+            </a:r>
+            <a:r>
+              <a:rPr lang="en-US" dirty="0"/>
+              <a:t>,  </a:t>
+            </a:r>
+            <a:r>
+              <a:rPr lang="en-US" b="1" dirty="0" err="1"/>
+              <a:t>ResultsFeedback</a:t>
+            </a:r>
+            <a:r>
+              <a:rPr lang="en-US" b="1" dirty="0"/>
+              <a:t> and Avatar components</a:t>
+            </a:r>
+          </a:p>
+          <a:p>
+            <a:pPr lvl="2"/>
+            <a:r>
+              <a:rPr lang="en-US" dirty="0" err="1"/>
+              <a:t>UserLabel</a:t>
+            </a:r>
+            <a:r>
+              <a:rPr lang="en-US" dirty="0"/>
+              <a:t> Component: </a:t>
+            </a:r>
+            <a:r>
+              <a:rPr lang="en-US" i="1" dirty="0"/>
+              <a:t>renders</a:t>
+            </a:r>
+            <a:r>
+              <a:rPr lang="en-US" b="1" dirty="0"/>
+              <a:t> User Label based on options</a:t>
+            </a:r>
+          </a:p>
+          <a:p>
+            <a:pPr lvl="2"/>
+            <a:r>
+              <a:rPr lang="en-US" dirty="0" err="1"/>
+              <a:t>ResultsFeedback</a:t>
+            </a:r>
+            <a:r>
+              <a:rPr lang="en-US" dirty="0"/>
+              <a:t> Component: renders </a:t>
+            </a:r>
+            <a:r>
+              <a:rPr lang="en-US" b="1" dirty="0"/>
+              <a:t>user</a:t>
+            </a:r>
+            <a:r>
+              <a:rPr lang="en-US" dirty="0"/>
+              <a:t> </a:t>
+            </a:r>
+            <a:r>
+              <a:rPr lang="en-US" b="1" dirty="0"/>
+              <a:t>label</a:t>
+            </a:r>
+            <a:r>
+              <a:rPr lang="en-US" dirty="0"/>
+              <a:t>; </a:t>
+            </a:r>
+            <a:r>
+              <a:rPr lang="en-US" i="1" dirty="0"/>
+              <a:t>renders</a:t>
+            </a:r>
+            <a:r>
+              <a:rPr lang="en-US" dirty="0"/>
+              <a:t> </a:t>
+            </a:r>
+            <a:r>
+              <a:rPr lang="en-US" b="1" dirty="0"/>
+              <a:t>would you rather label</a:t>
+            </a:r>
+            <a:r>
+              <a:rPr lang="en-US" dirty="0"/>
+              <a:t>; </a:t>
+            </a:r>
+            <a:r>
+              <a:rPr lang="en-US" i="1" dirty="0"/>
+              <a:t>renders</a:t>
+            </a:r>
+            <a:r>
+              <a:rPr lang="en-US" dirty="0"/>
+              <a:t> </a:t>
+            </a:r>
+            <a:r>
+              <a:rPr lang="en-US" b="1" dirty="0"/>
+              <a:t>text boxes; </a:t>
+            </a:r>
+            <a:r>
+              <a:rPr lang="en-US" i="1" dirty="0"/>
+              <a:t>renders</a:t>
+            </a:r>
+            <a:r>
+              <a:rPr lang="en-US" b="1" dirty="0"/>
+              <a:t> options; </a:t>
+            </a:r>
+            <a:r>
+              <a:rPr lang="en-US" i="1" dirty="0"/>
+              <a:t>renders</a:t>
+            </a:r>
+            <a:r>
+              <a:rPr lang="en-US" b="1" dirty="0"/>
+              <a:t> user votes; </a:t>
+            </a:r>
+            <a:r>
+              <a:rPr lang="en-US" i="1" dirty="0"/>
+              <a:t>renders</a:t>
+            </a:r>
+            <a:r>
+              <a:rPr lang="en-US" b="1" dirty="0"/>
+              <a:t> user percentages; </a:t>
+            </a:r>
+          </a:p>
+          <a:p>
+            <a:pPr marL="914400" lvl="2" indent="0">
+              <a:buNone/>
+            </a:pPr>
+            <a:r>
+              <a:rPr lang="en-US" i="1" dirty="0"/>
+              <a:t>			renders</a:t>
+            </a:r>
+            <a:r>
+              <a:rPr lang="en-US" b="1" dirty="0"/>
+              <a:t> user new vote label</a:t>
+            </a:r>
+            <a:endParaRPr lang="en-US" dirty="0"/>
+          </a:p>
+          <a:p>
+            <a:pPr lvl="2"/>
+            <a:r>
+              <a:rPr lang="en-US" dirty="0"/>
+              <a:t>Avatar Component: </a:t>
+            </a:r>
+            <a:r>
+              <a:rPr lang="en-US" i="1" dirty="0"/>
+              <a:t>renders</a:t>
+            </a:r>
+            <a:r>
+              <a:rPr lang="en-US" dirty="0"/>
+              <a:t> </a:t>
+            </a:r>
+            <a:r>
+              <a:rPr lang="en-US" b="1" dirty="0"/>
+              <a:t>User Avatar</a:t>
+            </a:r>
+            <a:endParaRPr lang="en-US" dirty="0"/>
+          </a:p>
+          <a:p>
+            <a:pPr lvl="1"/>
+            <a:r>
+              <a:rPr lang="en-US" dirty="0" err="1"/>
+              <a:t>SelfPoll</a:t>
+            </a:r>
+            <a:r>
+              <a:rPr lang="en-US" dirty="0"/>
+              <a:t> Component: </a:t>
+            </a:r>
+            <a:r>
+              <a:rPr lang="en-US" i="1" dirty="0"/>
+              <a:t>renders</a:t>
+            </a:r>
+            <a:r>
+              <a:rPr lang="en-US" dirty="0"/>
+              <a:t> </a:t>
+            </a:r>
+            <a:r>
+              <a:rPr lang="en-US" b="1" dirty="0" err="1"/>
+              <a:t>SelfPollAnswer</a:t>
+            </a:r>
+            <a:r>
+              <a:rPr lang="en-US" b="1" dirty="0"/>
+              <a:t>, </a:t>
+            </a:r>
+            <a:r>
+              <a:rPr lang="en-US" b="1" dirty="0" err="1"/>
+              <a:t>SelfPollButton</a:t>
+            </a:r>
+            <a:r>
+              <a:rPr lang="en-US" b="1" dirty="0"/>
+              <a:t> and Avatar components</a:t>
+            </a:r>
+          </a:p>
+          <a:p>
+            <a:pPr lvl="2"/>
+            <a:r>
+              <a:rPr lang="en-US" dirty="0" err="1"/>
+              <a:t>SelfPollAnswer</a:t>
+            </a:r>
+            <a:r>
+              <a:rPr lang="en-US" dirty="0"/>
+              <a:t> Component: </a:t>
+            </a:r>
+            <a:r>
+              <a:rPr lang="en-US" i="1" dirty="0"/>
+              <a:t>renders</a:t>
+            </a:r>
+            <a:r>
+              <a:rPr lang="en-US" b="1" dirty="0"/>
+              <a:t> radio buttons</a:t>
+            </a:r>
+            <a:r>
+              <a:rPr lang="en-US" dirty="0"/>
+              <a:t>; </a:t>
+            </a:r>
+            <a:r>
+              <a:rPr lang="en-US" i="1" dirty="0"/>
+              <a:t>renders</a:t>
+            </a:r>
+            <a:r>
+              <a:rPr lang="en-US" dirty="0"/>
+              <a:t> </a:t>
+            </a:r>
+            <a:r>
+              <a:rPr lang="en-US" b="1" dirty="0"/>
+              <a:t>options</a:t>
+            </a:r>
+            <a:r>
+              <a:rPr lang="en-US" dirty="0"/>
+              <a:t>; </a:t>
+            </a:r>
+            <a:r>
+              <a:rPr lang="en-US" i="1" dirty="0"/>
+              <a:t>renders</a:t>
+            </a:r>
+            <a:r>
+              <a:rPr lang="en-US" dirty="0"/>
+              <a:t> </a:t>
+            </a:r>
+            <a:r>
+              <a:rPr lang="en-US" b="1" dirty="0"/>
+              <a:t>label</a:t>
+            </a:r>
+          </a:p>
+          <a:p>
+            <a:pPr lvl="2"/>
+            <a:r>
+              <a:rPr lang="en-US" dirty="0" err="1"/>
+              <a:t>SelfPollButton</a:t>
+            </a:r>
+            <a:r>
+              <a:rPr lang="en-US" dirty="0"/>
+              <a:t> Component:</a:t>
+            </a:r>
+            <a:r>
+              <a:rPr lang="en-US" i="1" dirty="0"/>
+              <a:t> renders </a:t>
+            </a:r>
+            <a:r>
+              <a:rPr lang="en-US" b="1" dirty="0"/>
+              <a:t>submit button</a:t>
+            </a:r>
+            <a:r>
+              <a:rPr lang="en-US" dirty="0"/>
+              <a:t>; </a:t>
+            </a:r>
+            <a:r>
+              <a:rPr lang="en-US" i="1" dirty="0"/>
+              <a:t>processes</a:t>
+            </a:r>
+            <a:r>
+              <a:rPr lang="en-US" dirty="0"/>
+              <a:t> </a:t>
+            </a:r>
+            <a:r>
+              <a:rPr lang="en-US" b="1" dirty="0"/>
+              <a:t>user vote</a:t>
+            </a:r>
+            <a:r>
+              <a:rPr lang="en-US" dirty="0"/>
+              <a:t>; </a:t>
+            </a:r>
+            <a:r>
+              <a:rPr lang="en-US" i="1" dirty="0"/>
+              <a:t>renders</a:t>
+            </a:r>
+            <a:r>
+              <a:rPr lang="en-US" dirty="0"/>
+              <a:t> </a:t>
+            </a:r>
+            <a:r>
+              <a:rPr lang="en-US" b="1" dirty="0"/>
+              <a:t>results view</a:t>
+            </a:r>
+          </a:p>
+          <a:p>
+            <a:pPr lvl="2"/>
+            <a:r>
+              <a:rPr lang="en-US" dirty="0"/>
+              <a:t> Avatar Component: </a:t>
+            </a:r>
+            <a:r>
+              <a:rPr lang="en-US" i="1" dirty="0"/>
+              <a:t>renders</a:t>
+            </a:r>
+            <a:r>
+              <a:rPr lang="en-US" dirty="0"/>
+              <a:t> </a:t>
+            </a:r>
+            <a:r>
+              <a:rPr lang="en-US" b="1" dirty="0"/>
+              <a:t>User Avatar</a:t>
+            </a:r>
+            <a:endParaRPr lang="en-US" dirty="0"/>
+          </a:p>
+          <a:p>
+            <a:pPr lvl="1"/>
+            <a:r>
+              <a:rPr lang="en-US" dirty="0" err="1"/>
+              <a:t>SignIn</a:t>
+            </a:r>
+            <a:r>
+              <a:rPr lang="en-US" dirty="0"/>
+              <a:t> Component: </a:t>
+            </a:r>
+            <a:r>
+              <a:rPr lang="en-US" i="1" dirty="0"/>
+              <a:t>renders</a:t>
+            </a:r>
+            <a:r>
+              <a:rPr lang="en-US" dirty="0"/>
+              <a:t> both </a:t>
+            </a:r>
+            <a:r>
+              <a:rPr lang="en-US" b="1" dirty="0" err="1"/>
+              <a:t>SignInButton</a:t>
+            </a:r>
+            <a:r>
+              <a:rPr lang="en-US" b="1" dirty="0"/>
+              <a:t> and </a:t>
+            </a:r>
+            <a:r>
+              <a:rPr lang="en-US" b="1" dirty="0" err="1"/>
+              <a:t>SignInDropdown</a:t>
+            </a:r>
+            <a:r>
+              <a:rPr lang="en-US" b="1" dirty="0"/>
+              <a:t> components</a:t>
+            </a:r>
+          </a:p>
+          <a:p>
+            <a:pPr lvl="2"/>
+            <a:r>
+              <a:rPr lang="en-US" dirty="0" err="1"/>
+              <a:t>SignInButton</a:t>
+            </a:r>
+            <a:r>
+              <a:rPr lang="en-US" dirty="0"/>
+              <a:t> Component: renders home page; </a:t>
+            </a:r>
+            <a:r>
+              <a:rPr lang="en-US" i="1" dirty="0"/>
+              <a:t>renders</a:t>
+            </a:r>
+            <a:r>
+              <a:rPr lang="en-US" dirty="0"/>
+              <a:t> </a:t>
+            </a:r>
+            <a:r>
+              <a:rPr lang="en-US" b="1" dirty="0"/>
+              <a:t>selected user </a:t>
+            </a:r>
+            <a:r>
+              <a:rPr lang="en-US" dirty="0"/>
+              <a:t>from </a:t>
+            </a:r>
+            <a:r>
+              <a:rPr lang="en-US" b="1" dirty="0"/>
+              <a:t>dropdown</a:t>
+            </a:r>
+            <a:r>
+              <a:rPr lang="en-US" dirty="0"/>
+              <a:t> to </a:t>
+            </a:r>
+            <a:r>
+              <a:rPr lang="en-US" b="1" dirty="0"/>
+              <a:t>label</a:t>
+            </a:r>
+            <a:r>
+              <a:rPr lang="en-US" dirty="0"/>
+              <a:t>; </a:t>
+            </a:r>
+          </a:p>
+          <a:p>
+            <a:pPr lvl="2"/>
+            <a:r>
+              <a:rPr lang="en-US" dirty="0" err="1"/>
+              <a:t>SignInDropdown</a:t>
+            </a:r>
+            <a:r>
+              <a:rPr lang="en-US" dirty="0"/>
+              <a:t> Component: </a:t>
+            </a:r>
+            <a:r>
+              <a:rPr lang="en-US" i="1" dirty="0"/>
+              <a:t>renders</a:t>
+            </a:r>
+            <a:r>
+              <a:rPr lang="en-US" dirty="0"/>
+              <a:t> predetermine </a:t>
+            </a:r>
+            <a:r>
+              <a:rPr lang="en-US" b="1" dirty="0"/>
+              <a:t>users</a:t>
+            </a:r>
+          </a:p>
+          <a:p>
+            <a:pPr lvl="1"/>
+            <a:r>
+              <a:rPr lang="en-US" dirty="0" err="1"/>
+              <a:t>LeaderBoard</a:t>
+            </a:r>
+            <a:r>
+              <a:rPr lang="en-US" dirty="0"/>
+              <a:t> Component:</a:t>
+            </a:r>
+            <a:r>
+              <a:rPr lang="en-US" i="1" dirty="0"/>
+              <a:t> renders </a:t>
+            </a:r>
+            <a:r>
+              <a:rPr lang="en-US" dirty="0" err="1"/>
+              <a:t>UserLabel</a:t>
+            </a:r>
+            <a:r>
+              <a:rPr lang="en-US" dirty="0"/>
+              <a:t>, </a:t>
+            </a:r>
+            <a:r>
+              <a:rPr lang="en-US" b="1" dirty="0" err="1"/>
+              <a:t>LeaderBoardResults</a:t>
+            </a:r>
+            <a:r>
+              <a:rPr lang="en-US" b="1" dirty="0"/>
+              <a:t> and Avatar components</a:t>
+            </a:r>
+          </a:p>
+          <a:p>
+            <a:pPr lvl="2"/>
+            <a:r>
+              <a:rPr lang="en-US" dirty="0" err="1"/>
+              <a:t>UserLabel</a:t>
+            </a:r>
+            <a:r>
+              <a:rPr lang="en-US" dirty="0"/>
+              <a:t> Component: </a:t>
+            </a:r>
+            <a:r>
+              <a:rPr lang="en-US" i="1" dirty="0"/>
+              <a:t>renders</a:t>
+            </a:r>
+            <a:r>
+              <a:rPr lang="en-US" b="1" dirty="0"/>
+              <a:t> User Label based on answered questions, created questions, score </a:t>
+            </a:r>
+          </a:p>
+          <a:p>
+            <a:pPr lvl="2"/>
+            <a:r>
+              <a:rPr lang="en-US" dirty="0" err="1"/>
+              <a:t>LeaderBoardResults</a:t>
+            </a:r>
+            <a:r>
+              <a:rPr lang="en-US" dirty="0"/>
+              <a:t> Component: </a:t>
+            </a:r>
+            <a:r>
+              <a:rPr lang="en-US" i="1" dirty="0"/>
+              <a:t>renders</a:t>
+            </a:r>
+            <a:r>
+              <a:rPr lang="en-US" dirty="0"/>
+              <a:t> </a:t>
+            </a:r>
+            <a:r>
+              <a:rPr lang="en-US" b="1" dirty="0"/>
+              <a:t>user name</a:t>
+            </a:r>
+            <a:r>
+              <a:rPr lang="en-US" dirty="0"/>
+              <a:t>; </a:t>
+            </a:r>
+            <a:r>
+              <a:rPr lang="en-US" i="1" dirty="0"/>
+              <a:t>renders</a:t>
+            </a:r>
+            <a:r>
+              <a:rPr lang="en-US" dirty="0"/>
+              <a:t> </a:t>
+            </a:r>
+            <a:r>
+              <a:rPr lang="en-US" b="1" dirty="0"/>
+              <a:t>answered questions, created questions, score textboxes</a:t>
+            </a:r>
+            <a:r>
+              <a:rPr lang="en-US" dirty="0"/>
+              <a:t>;	</a:t>
+            </a:r>
+          </a:p>
+          <a:p>
+            <a:pPr marL="914400" lvl="2" indent="0">
+              <a:buNone/>
+            </a:pPr>
+            <a:r>
+              <a:rPr lang="en-US" dirty="0"/>
+              <a:t>			</a:t>
+            </a:r>
+            <a:r>
+              <a:rPr lang="en-US" i="1" dirty="0"/>
+              <a:t>renders</a:t>
+            </a:r>
+            <a:r>
+              <a:rPr lang="en-US" dirty="0"/>
+              <a:t> </a:t>
+            </a:r>
+            <a:r>
+              <a:rPr lang="en-US" b="1" dirty="0"/>
+              <a:t>answered questions, created questions, score tallies</a:t>
+            </a:r>
+          </a:p>
+          <a:p>
+            <a:pPr lvl="2"/>
+            <a:r>
+              <a:rPr lang="en-US" dirty="0"/>
+              <a:t>Avatar Component: </a:t>
+            </a:r>
+            <a:r>
+              <a:rPr lang="en-US" i="1" dirty="0"/>
+              <a:t>renders</a:t>
+            </a:r>
+            <a:r>
+              <a:rPr lang="en-US" dirty="0"/>
+              <a:t> </a:t>
+            </a:r>
+            <a:r>
+              <a:rPr lang="en-US" b="1" dirty="0"/>
+              <a:t>User Avatar</a:t>
+            </a:r>
+            <a:endParaRPr lang="en-US" dirty="0"/>
+          </a:p>
+          <a:p>
+            <a:pPr lvl="1"/>
+            <a:r>
+              <a:rPr lang="en-US" dirty="0"/>
+              <a:t>Nav Component: </a:t>
+            </a:r>
+            <a:r>
+              <a:rPr lang="en-US" i="1" dirty="0"/>
+              <a:t>renders</a:t>
+            </a:r>
+            <a:r>
+              <a:rPr lang="en-US" dirty="0"/>
+              <a:t> </a:t>
+            </a:r>
+            <a:r>
+              <a:rPr lang="en-US" b="1" dirty="0"/>
+              <a:t>Home, New Question, Leader Board, Logout, and Current Login User labels</a:t>
+            </a:r>
+          </a:p>
+          <a:p>
+            <a:pPr marL="457200" lvl="1" indent="0">
+              <a:buNone/>
+            </a:pPr>
+            <a:r>
+              <a:rPr lang="en-US" dirty="0"/>
+              <a:t>		 </a:t>
+            </a:r>
+            <a:r>
+              <a:rPr lang="en-US" i="1" dirty="0"/>
+              <a:t>renders</a:t>
+            </a:r>
+            <a:r>
+              <a:rPr lang="en-US" dirty="0"/>
+              <a:t> </a:t>
+            </a:r>
+            <a:r>
+              <a:rPr lang="en-US" b="1" dirty="0"/>
+              <a:t>Answered, Unanswered, </a:t>
+            </a:r>
+            <a:r>
+              <a:rPr lang="en-US" b="1" dirty="0" err="1"/>
+              <a:t>NewQuestion</a:t>
+            </a:r>
+            <a:r>
+              <a:rPr lang="en-US" b="1" dirty="0"/>
+              <a:t>, </a:t>
+            </a:r>
+            <a:r>
+              <a:rPr lang="en-US" b="1" dirty="0" err="1"/>
+              <a:t>LeaderBoard</a:t>
+            </a:r>
+            <a:r>
+              <a:rPr lang="en-US" b="1" dirty="0"/>
+              <a:t>, </a:t>
+            </a:r>
+            <a:r>
+              <a:rPr lang="en-US" b="1" dirty="0" err="1"/>
+              <a:t>SignIn</a:t>
+            </a:r>
+            <a:r>
+              <a:rPr lang="en-US" b="1" dirty="0"/>
+              <a:t> views</a:t>
+            </a:r>
+          </a:p>
+          <a:p>
+            <a:pPr lvl="1"/>
+            <a:endParaRPr lang="en-US" dirty="0"/>
+          </a:p>
+          <a:p>
+            <a:pPr lvl="1"/>
+            <a:endParaRPr lang="en-US" dirty="0"/>
+          </a:p>
+          <a:p>
+            <a:pPr lvl="1"/>
+            <a:endParaRPr lang="en-US" dirty="0"/>
+          </a:p>
+          <a:p>
+            <a:pPr lvl="1"/>
+            <a:endParaRPr lang="en-US" dirty="0"/>
+          </a:p>
+        </p:txBody>
+      </p:sp>
+    </p:spTree>
+    <p:extLst>
+      <p:ext uri="{BB962C8B-B14F-4D97-AF65-F5344CB8AC3E}">
+        <p14:creationId xmlns:p14="http://schemas.microsoft.com/office/powerpoint/2010/main" val="1380555023"/>
+      </p:ext>
+    </p:extLst>
+  </p:cSld>
+  <p:clrMapOvr>
+    <a:masterClrMapping/>
+  </p:clrMapOvr>
+</p:sld>
+</file>
+
 <file path=ppt/slides/slide2.xml><?xml version="1.0" encoding="utf-8"?>
 <p:sld xmlns:a="http://schemas.openxmlformats.org/drawingml/2006/main" xmlns:r="http://schemas.openxmlformats.org/officeDocument/2006/relationships" xmlns:p="http://schemas.openxmlformats.org/presentationml/2006/main">
   <p:cSld>

--- a/design/Views.pptx
+++ b/design/Views.pptx
@@ -6495,93 +6495,9 @@
         </p:spPr>
         <p:txBody>
           <a:bodyPr>
-            <a:normAutofit fontScale="47500" lnSpcReduction="20000"/>
+            <a:normAutofit fontScale="92500" lnSpcReduction="10000"/>
           </a:bodyPr>
           <a:lstStyle/>
-          <a:p>
-            <a:r>
-              <a:rPr lang="en-US" dirty="0"/>
-              <a:t>App Component : </a:t>
-            </a:r>
-            <a:r>
-              <a:rPr lang="en-US" i="1" dirty="0"/>
-              <a:t>get </a:t>
-            </a:r>
-            <a:r>
-              <a:rPr lang="en-US" b="1" dirty="0"/>
-              <a:t>2</a:t>
-            </a:r>
-            <a:r>
-              <a:rPr lang="en-US" b="1" baseline="30000" dirty="0"/>
-              <a:t>nd</a:t>
-            </a:r>
-            <a:r>
-              <a:rPr lang="en-US" b="1" dirty="0"/>
-              <a:t> level components</a:t>
-            </a:r>
-          </a:p>
-          <a:p>
-            <a:pPr lvl="1"/>
-            <a:r>
-              <a:rPr lang="en-US" dirty="0" err="1"/>
-              <a:t>AnswersNav</a:t>
-            </a:r>
-            <a:r>
-              <a:rPr lang="en-US" dirty="0"/>
-              <a:t> Component : </a:t>
-            </a:r>
-            <a:r>
-              <a:rPr lang="en-US" i="1" dirty="0"/>
-              <a:t>get</a:t>
-            </a:r>
-            <a:r>
-              <a:rPr lang="en-US" dirty="0"/>
-              <a:t> </a:t>
-            </a:r>
-            <a:r>
-              <a:rPr lang="en-US" b="1" dirty="0"/>
-              <a:t>Answered and Unanswered Views</a:t>
-            </a:r>
-          </a:p>
-          <a:p>
-            <a:pPr lvl="1"/>
-            <a:r>
-              <a:rPr lang="en-US" dirty="0"/>
-              <a:t>Answered Component : </a:t>
-            </a:r>
-            <a:r>
-              <a:rPr lang="en-US" i="1" dirty="0"/>
-              <a:t>get</a:t>
-            </a:r>
-            <a:r>
-              <a:rPr lang="en-US" dirty="0"/>
-              <a:t> </a:t>
-            </a:r>
-            <a:r>
-              <a:rPr lang="en-US" b="1" dirty="0" err="1"/>
-              <a:t>UserLabel</a:t>
-            </a:r>
-            <a:r>
-              <a:rPr lang="en-US" dirty="0"/>
-              <a:t>, </a:t>
-            </a:r>
-            <a:r>
-              <a:rPr lang="en-US" b="1" dirty="0" err="1"/>
-              <a:t>UserAnswer</a:t>
-            </a:r>
-            <a:r>
-              <a:rPr lang="en-US" b="1" dirty="0"/>
-              <a:t>, </a:t>
-            </a:r>
-            <a:r>
-              <a:rPr lang="en-US" b="1" dirty="0" err="1"/>
-              <a:t>ViewPollButton</a:t>
-            </a:r>
-            <a:r>
-              <a:rPr lang="en-US" b="1" dirty="0"/>
-              <a:t>, Avatar components</a:t>
-            </a:r>
-          </a:p>
           <a:p>
             <a:pPr lvl="2"/>
             <a:r>
@@ -6593,13 +6509,10 @@
               <a:t> Component: </a:t>
             </a:r>
             <a:r>
-              <a:rPr lang="en-US" i="1" dirty="0"/>
-              <a:t>renders</a:t>
-            </a:r>
-            <a:r>
               <a:rPr lang="en-US" b="1" dirty="0"/>
-              <a:t> User Label based on options</a:t>
-            </a:r>
+              <a:t>GET_USER, GET_ANSWEREDOPTIONS, GET_NEWOPTIONS, GET_SCORE </a:t>
+            </a:r>
+            <a:endParaRPr lang="en-US" dirty="0"/>
           </a:p>
           <a:p>
             <a:pPr lvl="2"/>
@@ -6612,182 +6525,19 @@
               <a:t> Component: </a:t>
             </a:r>
             <a:r>
-              <a:rPr lang="en-US" i="1" dirty="0"/>
-              <a:t>truncates </a:t>
-            </a:r>
-            <a:r>
               <a:rPr lang="en-US" b="1" dirty="0"/>
-              <a:t>User Answers</a:t>
+              <a:t>GET_ANSWEREDOPTIONS </a:t>
             </a:r>
           </a:p>
           <a:p>
             <a:pPr lvl="2"/>
             <a:r>
-              <a:rPr lang="en-US" dirty="0" err="1"/>
-              <a:t>ViewPollButton</a:t>
-            </a:r>
-            <a:r>
-              <a:rPr lang="en-US" dirty="0"/>
-              <a:t> Component: </a:t>
-            </a:r>
-            <a:r>
-              <a:rPr lang="en-US" i="1" dirty="0"/>
-              <a:t>renders</a:t>
-            </a:r>
-            <a:r>
-              <a:rPr lang="en-US" dirty="0"/>
-              <a:t> </a:t>
-            </a:r>
-            <a:r>
-              <a:rPr lang="en-US" b="1" dirty="0" err="1"/>
-              <a:t>OtherUser</a:t>
-            </a:r>
-            <a:r>
-              <a:rPr lang="en-US" dirty="0"/>
-              <a:t> or </a:t>
-            </a:r>
-            <a:r>
-              <a:rPr lang="en-US" b="1" dirty="0" err="1"/>
-              <a:t>SelfPoll</a:t>
+              <a:rPr lang="en-US" dirty="0"/>
+              <a:t>Avatar Component: </a:t>
             </a:r>
             <a:r>
               <a:rPr lang="en-US" b="1" dirty="0"/>
-              <a:t> Views</a:t>
-            </a:r>
-          </a:p>
-          <a:p>
-            <a:pPr lvl="2"/>
-            <a:r>
-              <a:rPr lang="en-US" dirty="0"/>
-              <a:t>Avatar Component: </a:t>
-            </a:r>
-            <a:r>
-              <a:rPr lang="en-US" i="1" dirty="0"/>
-              <a:t>renders</a:t>
-            </a:r>
-            <a:r>
-              <a:rPr lang="en-US" dirty="0"/>
-              <a:t> </a:t>
-            </a:r>
-            <a:r>
-              <a:rPr lang="en-US" b="1" dirty="0"/>
-              <a:t>User Avatar</a:t>
-            </a:r>
-          </a:p>
-          <a:p>
-            <a:pPr lvl="1"/>
-            <a:r>
-              <a:rPr lang="en-US" dirty="0" err="1"/>
-              <a:t>NewQuestion</a:t>
-            </a:r>
-            <a:r>
-              <a:rPr lang="en-US" dirty="0"/>
-              <a:t> Component: </a:t>
-            </a:r>
-            <a:r>
-              <a:rPr lang="en-US" i="1" dirty="0"/>
-              <a:t>renders</a:t>
-            </a:r>
-            <a:r>
-              <a:rPr lang="en-US" dirty="0"/>
-              <a:t> </a:t>
-            </a:r>
-            <a:r>
-              <a:rPr lang="en-US" b="1" dirty="0" err="1"/>
-              <a:t>NewQuestionAnswer</a:t>
-            </a:r>
-            <a:r>
-              <a:rPr lang="en-US" b="1" dirty="0"/>
-              <a:t> component</a:t>
-            </a:r>
-          </a:p>
-          <a:p>
-            <a:pPr lvl="2"/>
-            <a:r>
-              <a:rPr lang="en-US" dirty="0" err="1"/>
-              <a:t>NewQuestionAnswer</a:t>
-            </a:r>
-            <a:r>
-              <a:rPr lang="en-US" dirty="0"/>
-              <a:t> Component:  </a:t>
-            </a:r>
-            <a:r>
-              <a:rPr lang="en-US" i="1" dirty="0"/>
-              <a:t>renders</a:t>
-            </a:r>
-            <a:r>
-              <a:rPr lang="en-US" dirty="0"/>
-              <a:t> </a:t>
-            </a:r>
-            <a:r>
-              <a:rPr lang="en-US" b="1" dirty="0"/>
-              <a:t>label; </a:t>
-            </a:r>
-            <a:r>
-              <a:rPr lang="en-US" i="1" dirty="0"/>
-              <a:t>renders</a:t>
-            </a:r>
-            <a:r>
-              <a:rPr lang="en-US" dirty="0"/>
-              <a:t> </a:t>
-            </a:r>
-            <a:r>
-              <a:rPr lang="en-US" b="1" dirty="0"/>
-              <a:t>text boxes</a:t>
-            </a:r>
-          </a:p>
-          <a:p>
-            <a:pPr lvl="1"/>
-            <a:r>
-              <a:rPr lang="en-US" dirty="0" err="1"/>
-              <a:t>OtherUserPoll</a:t>
-            </a:r>
-            <a:r>
-              <a:rPr lang="en-US" dirty="0"/>
-              <a:t> Component: </a:t>
-            </a:r>
-            <a:r>
-              <a:rPr lang="en-US" i="1" dirty="0"/>
-              <a:t>renders</a:t>
-            </a:r>
-            <a:r>
-              <a:rPr lang="en-US" b="1" dirty="0"/>
-              <a:t> </a:t>
-            </a:r>
-            <a:r>
-              <a:rPr lang="en-US" b="1" dirty="0" err="1"/>
-              <a:t>UserLabel</a:t>
-            </a:r>
-            <a:r>
-              <a:rPr lang="en-US" dirty="0"/>
-              <a:t>, </a:t>
-            </a:r>
-            <a:r>
-              <a:rPr lang="en-US" b="1" dirty="0" err="1"/>
-              <a:t>OtherUserPollAnswer</a:t>
-            </a:r>
-            <a:r>
-              <a:rPr lang="en-US" b="1" dirty="0"/>
-              <a:t> and Avatar components</a:t>
-            </a:r>
-          </a:p>
-          <a:p>
-            <a:pPr lvl="2"/>
-            <a:r>
-              <a:rPr lang="en-US" dirty="0" err="1"/>
-              <a:t>UserLabel</a:t>
-            </a:r>
-            <a:r>
-              <a:rPr lang="en-US" dirty="0"/>
-              <a:t> Component: </a:t>
-            </a:r>
-            <a:r>
-              <a:rPr lang="en-US" i="1" dirty="0"/>
-              <a:t>renders</a:t>
-            </a:r>
-            <a:r>
-              <a:rPr lang="en-US" b="1" dirty="0"/>
-              <a:t> User Label based on options</a:t>
+              <a:t>GET_AVATAR</a:t>
             </a:r>
           </a:p>
           <a:p>
@@ -6801,86 +6551,8 @@
               <a:t> Component: </a:t>
             </a:r>
             <a:r>
-              <a:rPr lang="en-US" i="1" dirty="0"/>
-              <a:t>renders</a:t>
-            </a:r>
-            <a:r>
-              <a:rPr lang="en-US" dirty="0"/>
-              <a:t> </a:t>
-            </a:r>
-            <a:r>
               <a:rPr lang="en-US" b="1" dirty="0"/>
-              <a:t>other user answer results</a:t>
-            </a:r>
-          </a:p>
-          <a:p>
-            <a:pPr lvl="2"/>
-            <a:r>
-              <a:rPr lang="en-US" dirty="0"/>
-              <a:t>Avatar Component: </a:t>
-            </a:r>
-            <a:r>
-              <a:rPr lang="en-US" i="1" dirty="0"/>
-              <a:t>renders</a:t>
-            </a:r>
-            <a:r>
-              <a:rPr lang="en-US" dirty="0"/>
-              <a:t> </a:t>
-            </a:r>
-            <a:r>
-              <a:rPr lang="en-US" b="1" dirty="0"/>
-              <a:t>User Avatar</a:t>
-            </a:r>
-            <a:endParaRPr lang="en-US" dirty="0"/>
-          </a:p>
-          <a:p>
-            <a:pPr lvl="1"/>
-            <a:r>
-              <a:rPr lang="en-US" dirty="0"/>
-              <a:t>Results Component: </a:t>
-            </a:r>
-            <a:r>
-              <a:rPr lang="en-US" i="1" dirty="0"/>
-              <a:t>renders</a:t>
-            </a:r>
-            <a:r>
-              <a:rPr lang="en-US" dirty="0"/>
-              <a:t> </a:t>
-            </a:r>
-            <a:r>
-              <a:rPr lang="en-US" b="1" dirty="0" err="1"/>
-              <a:t>UserLabel</a:t>
-            </a:r>
-            <a:r>
-              <a:rPr lang="en-US" dirty="0"/>
-              <a:t>,  </a:t>
-            </a:r>
-            <a:r>
-              <a:rPr lang="en-US" b="1" dirty="0" err="1"/>
-              <a:t>ResultsFeedback</a:t>
-            </a:r>
-            <a:r>
-              <a:rPr lang="en-US" b="1" dirty="0"/>
-              <a:t> and Avatar components</a:t>
-            </a:r>
-          </a:p>
-          <a:p>
-            <a:pPr lvl="2"/>
-            <a:r>
-              <a:rPr lang="en-US" dirty="0" err="1"/>
-              <a:t>UserLabel</a:t>
-            </a:r>
-            <a:r>
-              <a:rPr lang="en-US" dirty="0"/>
-              <a:t> Component: </a:t>
-            </a:r>
-            <a:r>
-              <a:rPr lang="en-US" i="1" dirty="0"/>
-              <a:t>renders</a:t>
-            </a:r>
-            <a:r>
-              <a:rPr lang="en-US" b="1" dirty="0"/>
-              <a:t> User Label based on options</a:t>
+              <a:t>GET_OPTIONS</a:t>
             </a:r>
           </a:p>
           <a:p>
@@ -6891,145 +6563,13 @@
             </a:r>
             <a:r>
               <a:rPr lang="en-US" dirty="0"/>
-              <a:t> Component: renders </a:t>
+              <a:t> Component: </a:t>
             </a:r>
             <a:r>
               <a:rPr lang="en-US" b="1" dirty="0"/>
-              <a:t>user</a:t>
-            </a:r>
-            <a:r>
-              <a:rPr lang="en-US" dirty="0"/>
-              <a:t> </a:t>
-            </a:r>
-            <a:r>
-              <a:rPr lang="en-US" b="1" dirty="0"/>
-              <a:t>label</a:t>
-            </a:r>
-            <a:r>
-              <a:rPr lang="en-US" dirty="0"/>
-              <a:t>; </a:t>
-            </a:r>
-            <a:r>
-              <a:rPr lang="en-US" i="1" dirty="0"/>
-              <a:t>renders</a:t>
-            </a:r>
-            <a:r>
-              <a:rPr lang="en-US" dirty="0"/>
-              <a:t> </a:t>
-            </a:r>
-            <a:r>
-              <a:rPr lang="en-US" b="1" dirty="0"/>
-              <a:t>would you rather label</a:t>
-            </a:r>
-            <a:r>
-              <a:rPr lang="en-US" dirty="0"/>
-              <a:t>; </a:t>
-            </a:r>
-            <a:r>
-              <a:rPr lang="en-US" i="1" dirty="0"/>
-              <a:t>renders</a:t>
-            </a:r>
-            <a:r>
-              <a:rPr lang="en-US" dirty="0"/>
-              <a:t> </a:t>
-            </a:r>
-            <a:r>
-              <a:rPr lang="en-US" b="1" dirty="0"/>
-              <a:t>text boxes; </a:t>
-            </a:r>
-            <a:r>
-              <a:rPr lang="en-US" i="1" dirty="0"/>
-              <a:t>renders</a:t>
-            </a:r>
-            <a:r>
-              <a:rPr lang="en-US" b="1" dirty="0"/>
-              <a:t> options; </a:t>
-            </a:r>
-            <a:r>
-              <a:rPr lang="en-US" i="1" dirty="0"/>
-              <a:t>renders</a:t>
-            </a:r>
-            <a:r>
-              <a:rPr lang="en-US" b="1" dirty="0"/>
-              <a:t> user votes; </a:t>
-            </a:r>
-            <a:r>
-              <a:rPr lang="en-US" i="1" dirty="0"/>
-              <a:t>renders</a:t>
-            </a:r>
-            <a:r>
-              <a:rPr lang="en-US" b="1" dirty="0"/>
-              <a:t> user percentages; </a:t>
-            </a:r>
-          </a:p>
-          <a:p>
-            <a:pPr marL="914400" lvl="2" indent="0">
-              <a:buNone/>
-            </a:pPr>
-            <a:r>
-              <a:rPr lang="en-US" i="1" dirty="0"/>
-              <a:t>			renders</a:t>
-            </a:r>
-            <a:r>
-              <a:rPr lang="en-US" b="1" dirty="0"/>
-              <a:t> user new vote label</a:t>
+              <a:t>GET_OPTIONS, GET_VOTES, GET_PERCENTAGES</a:t>
             </a:r>
             <a:endParaRPr lang="en-US" dirty="0"/>
-          </a:p>
-          <a:p>
-            <a:pPr lvl="2"/>
-            <a:r>
-              <a:rPr lang="en-US" dirty="0"/>
-              <a:t>Avatar Component: </a:t>
-            </a:r>
-            <a:r>
-              <a:rPr lang="en-US" i="1" dirty="0"/>
-              <a:t>renders</a:t>
-            </a:r>
-            <a:r>
-              <a:rPr lang="en-US" dirty="0"/>
-              <a:t> </a:t>
-            </a:r>
-            <a:r>
-              <a:rPr lang="en-US" b="1" dirty="0"/>
-              <a:t>User Avatar</a:t>
-            </a:r>
-            <a:endParaRPr lang="en-US" dirty="0"/>
-          </a:p>
-          <a:p>
-            <a:pPr lvl="1"/>
-            <a:r>
-              <a:rPr lang="en-US" dirty="0" err="1"/>
-              <a:t>SelfPoll</a:t>
-            </a:r>
-            <a:r>
-              <a:rPr lang="en-US" dirty="0"/>
-              <a:t> Component: </a:t>
-            </a:r>
-            <a:r>
-              <a:rPr lang="en-US" i="1" dirty="0"/>
-              <a:t>renders</a:t>
-            </a:r>
-            <a:r>
-              <a:rPr lang="en-US" dirty="0"/>
-              <a:t> </a:t>
-            </a:r>
-            <a:r>
-              <a:rPr lang="en-US" b="1" dirty="0" err="1"/>
-              <a:t>SelfPollAnswer</a:t>
-            </a:r>
-            <a:r>
-              <a:rPr lang="en-US" b="1" dirty="0"/>
-              <a:t>, </a:t>
-            </a:r>
-            <a:r>
-              <a:rPr lang="en-US" b="1" dirty="0" err="1"/>
-              <a:t>SelfPollButton</a:t>
-            </a:r>
-            <a:r>
-              <a:rPr lang="en-US" b="1" dirty="0"/>
-              <a:t> and Avatar components</a:t>
-            </a:r>
           </a:p>
           <a:p>
             <a:pPr lvl="2"/>
@@ -7042,45 +6582,10 @@
               <a:t> Component: </a:t>
             </a:r>
             <a:r>
-              <a:rPr lang="en-US" i="1" dirty="0"/>
-              <a:t>renders</a:t>
-            </a:r>
-            <a:r>
               <a:rPr lang="en-US" b="1" dirty="0"/>
-              <a:t> radio buttons</a:t>
-            </a:r>
-            <a:r>
-              <a:rPr lang="en-US" dirty="0"/>
-              <a:t>; </a:t>
-            </a:r>
-            <a:r>
-              <a:rPr lang="en-US" i="1" dirty="0"/>
-              <a:t>renders</a:t>
-            </a:r>
-            <a:r>
-              <a:rPr lang="en-US" dirty="0"/>
-              <a:t> </a:t>
-            </a:r>
-            <a:r>
-              <a:rPr lang="en-US" b="1" dirty="0"/>
-              <a:t>options</a:t>
-            </a:r>
-            <a:r>
-              <a:rPr lang="en-US" dirty="0"/>
-              <a:t>; </a:t>
-            </a:r>
-            <a:r>
-              <a:rPr lang="en-US" i="1" dirty="0"/>
-              <a:t>renders</a:t>
-            </a:r>
-            <a:r>
-              <a:rPr lang="en-US" dirty="0"/>
-              <a:t> </a:t>
-            </a:r>
-            <a:r>
-              <a:rPr lang="en-US" b="1" dirty="0"/>
-              <a:t>label</a:t>
-            </a:r>
+              <a:t>GET_OPTIONS</a:t>
+            </a:r>
+            <a:endParaRPr lang="en-US" dirty="0"/>
           </a:p>
           <a:p>
             <a:pPr lvl="2"/>
@@ -7094,214 +6599,31 @@
             </a:r>
             <a:r>
               <a:rPr lang="en-US" i="1" dirty="0"/>
-              <a:t> renders </a:t>
+              <a:t> </a:t>
             </a:r>
             <a:r>
               <a:rPr lang="en-US" b="1" dirty="0"/>
-              <a:t>submit button</a:t>
-            </a:r>
-            <a:r>
-              <a:rPr lang="en-US" dirty="0"/>
-              <a:t>; </a:t>
-            </a:r>
-            <a:r>
-              <a:rPr lang="en-US" i="1" dirty="0"/>
-              <a:t>processes</a:t>
-            </a:r>
-            <a:r>
-              <a:rPr lang="en-US" dirty="0"/>
-              <a:t> </a:t>
-            </a:r>
-            <a:r>
-              <a:rPr lang="en-US" b="1" dirty="0"/>
-              <a:t>user vote</a:t>
-            </a:r>
-            <a:r>
-              <a:rPr lang="en-US" dirty="0"/>
-              <a:t>; </a:t>
-            </a:r>
-            <a:r>
-              <a:rPr lang="en-US" i="1" dirty="0"/>
-              <a:t>renders</a:t>
-            </a:r>
-            <a:r>
-              <a:rPr lang="en-US" dirty="0"/>
-              <a:t> </a:t>
-            </a:r>
-            <a:r>
-              <a:rPr lang="en-US" b="1" dirty="0"/>
-              <a:t>results view</a:t>
-            </a:r>
-          </a:p>
-          <a:p>
-            <a:pPr lvl="2"/>
-            <a:r>
-              <a:rPr lang="en-US" dirty="0"/>
-              <a:t> Avatar Component: </a:t>
-            </a:r>
-            <a:r>
-              <a:rPr lang="en-US" i="1" dirty="0"/>
-              <a:t>renders</a:t>
-            </a:r>
-            <a:r>
-              <a:rPr lang="en-US" dirty="0"/>
-              <a:t> </a:t>
-            </a:r>
-            <a:r>
-              <a:rPr lang="en-US" b="1" dirty="0"/>
-              <a:t>User Avatar</a:t>
+              <a:t>GET_VOTES</a:t>
             </a:r>
             <a:endParaRPr lang="en-US" dirty="0"/>
           </a:p>
           <a:p>
-            <a:pPr lvl="1"/>
-            <a:r>
-              <a:rPr lang="en-US" dirty="0" err="1"/>
-              <a:t>SignIn</a:t>
-            </a:r>
-            <a:r>
-              <a:rPr lang="en-US" dirty="0"/>
-              <a:t> Component: </a:t>
-            </a:r>
-            <a:r>
-              <a:rPr lang="en-US" i="1" dirty="0"/>
-              <a:t>renders</a:t>
-            </a:r>
-            <a:r>
-              <a:rPr lang="en-US" dirty="0"/>
-              <a:t> both </a:t>
-            </a:r>
-            <a:r>
-              <a:rPr lang="en-US" b="1" dirty="0" err="1"/>
-              <a:t>SignInButton</a:t>
-            </a:r>
-            <a:r>
-              <a:rPr lang="en-US" b="1" dirty="0"/>
-              <a:t> and </a:t>
-            </a:r>
-            <a:r>
-              <a:rPr lang="en-US" b="1" dirty="0" err="1"/>
-              <a:t>SignInDropdown</a:t>
-            </a:r>
-            <a:r>
-              <a:rPr lang="en-US" b="1" dirty="0"/>
-              <a:t> components</a:t>
-            </a:r>
-          </a:p>
-          <a:p>
-            <a:pPr lvl="2"/>
+            <a:pPr lvl="2">
+              <a:lnSpc>
+                <a:spcPct val="100000"/>
+              </a:lnSpc>
+            </a:pPr>
             <a:r>
               <a:rPr lang="en-US" dirty="0" err="1"/>
               <a:t>SignInButton</a:t>
             </a:r>
             <a:r>
               <a:rPr lang="en-US" dirty="0"/>
-              <a:t> Component: renders home page; </a:t>
-            </a:r>
-            <a:r>
-              <a:rPr lang="en-US" i="1" dirty="0"/>
-              <a:t>renders</a:t>
-            </a:r>
-            <a:r>
-              <a:rPr lang="en-US" dirty="0"/>
-              <a:t> </a:t>
+              <a:t> Component: </a:t>
             </a:r>
             <a:r>
               <a:rPr lang="en-US" b="1" dirty="0"/>
-              <a:t>selected user </a:t>
-            </a:r>
-            <a:r>
-              <a:rPr lang="en-US" dirty="0"/>
-              <a:t>from </a:t>
-            </a:r>
-            <a:r>
-              <a:rPr lang="en-US" b="1" dirty="0"/>
-              <a:t>dropdown</a:t>
-            </a:r>
-            <a:r>
-              <a:rPr lang="en-US" dirty="0"/>
-              <a:t> to </a:t>
-            </a:r>
-            <a:r>
-              <a:rPr lang="en-US" b="1" dirty="0"/>
-              <a:t>label</a:t>
-            </a:r>
-            <a:r>
-              <a:rPr lang="en-US" dirty="0"/>
-              <a:t>; </a:t>
-            </a:r>
-          </a:p>
-          <a:p>
-            <a:pPr lvl="2"/>
-            <a:r>
-              <a:rPr lang="en-US" dirty="0" err="1"/>
-              <a:t>SignInDropdown</a:t>
-            </a:r>
-            <a:r>
-              <a:rPr lang="en-US" dirty="0"/>
-              <a:t> Component: </a:t>
-            </a:r>
-            <a:r>
-              <a:rPr lang="en-US" i="1" dirty="0"/>
-              <a:t>renders</a:t>
-            </a:r>
-            <a:r>
-              <a:rPr lang="en-US" dirty="0"/>
-              <a:t> predetermine </a:t>
-            </a:r>
-            <a:r>
-              <a:rPr lang="en-US" b="1" dirty="0"/>
-              <a:t>users</a:t>
-            </a:r>
-          </a:p>
-          <a:p>
-            <a:pPr lvl="1"/>
-            <a:r>
-              <a:rPr lang="en-US" dirty="0" err="1"/>
-              <a:t>LeaderBoard</a:t>
-            </a:r>
-            <a:r>
-              <a:rPr lang="en-US" dirty="0"/>
-              <a:t> Component:</a:t>
-            </a:r>
-            <a:r>
-              <a:rPr lang="en-US" i="1" dirty="0"/>
-              <a:t> renders </a:t>
-            </a:r>
-            <a:r>
-              <a:rPr lang="en-US" dirty="0" err="1"/>
-              <a:t>UserLabel</a:t>
-            </a:r>
-            <a:r>
-              <a:rPr lang="en-US" dirty="0"/>
-              <a:t>, </a:t>
-            </a:r>
-            <a:r>
-              <a:rPr lang="en-US" b="1" dirty="0" err="1"/>
-              <a:t>LeaderBoardResults</a:t>
-            </a:r>
-            <a:r>
-              <a:rPr lang="en-US" b="1" dirty="0"/>
-              <a:t> and Avatar components</a:t>
-            </a:r>
-          </a:p>
-          <a:p>
-            <a:pPr lvl="2"/>
-            <a:r>
-              <a:rPr lang="en-US" dirty="0" err="1"/>
-              <a:t>UserLabel</a:t>
-            </a:r>
-            <a:r>
-              <a:rPr lang="en-US" dirty="0"/>
-              <a:t> Component: </a:t>
-            </a:r>
-            <a:r>
-              <a:rPr lang="en-US" i="1" dirty="0"/>
-              <a:t>renders</a:t>
-            </a:r>
-            <a:r>
-              <a:rPr lang="en-US" b="1" dirty="0"/>
-              <a:t> User Label based on answered questions, created questions, score </a:t>
+              <a:t>GET_USER</a:t>
             </a:r>
           </a:p>
           <a:p>
@@ -7315,145 +6637,163 @@
               <a:t> Component: </a:t>
             </a:r>
             <a:r>
-              <a:rPr lang="en-US" i="1" dirty="0"/>
-              <a:t>renders</a:t>
-            </a:r>
-            <a:r>
-              <a:rPr lang="en-US" dirty="0"/>
-              <a:t> </a:t>
-            </a:r>
-            <a:r>
               <a:rPr lang="en-US" b="1" dirty="0"/>
-              <a:t>user name</a:t>
-            </a:r>
-            <a:r>
-              <a:rPr lang="en-US" dirty="0"/>
-              <a:t>; </a:t>
-            </a:r>
-            <a:r>
-              <a:rPr lang="en-US" i="1" dirty="0"/>
-              <a:t>renders</a:t>
-            </a:r>
-            <a:r>
-              <a:rPr lang="en-US" dirty="0"/>
-              <a:t> </a:t>
+              <a:t>GET_USER, GET_ANSWEREDOPTIONS, GET_NEWOPTIONS, GET_SCORE, GET_AVATAR</a:t>
+            </a:r>
+            <a:r>
+              <a:rPr lang="en-US" dirty="0"/>
+              <a:t>	</a:t>
+            </a:r>
+          </a:p>
+          <a:p>
+            <a:pPr lvl="2">
+              <a:lnSpc>
+                <a:spcPct val="100000"/>
+              </a:lnSpc>
+            </a:pPr>
+            <a:r>
+              <a:rPr lang="en-US" dirty="0"/>
+              <a:t>Nav Component:  </a:t>
             </a:r>
             <a:r>
               <a:rPr lang="en-US" b="1" dirty="0"/>
-              <a:t>answered questions, created questions, score textboxes</a:t>
-            </a:r>
-            <a:r>
-              <a:rPr lang="en-US" dirty="0"/>
-              <a:t>;	</a:t>
-            </a:r>
-          </a:p>
-          <a:p>
-            <a:pPr marL="914400" lvl="2" indent="0">
-              <a:buNone/>
+              <a:t>GET_USER</a:t>
+            </a:r>
+          </a:p>
+          <a:p>
+            <a:pPr marL="1371600" lvl="2" indent="-457200">
+              <a:lnSpc>
+                <a:spcPct val="100000"/>
+              </a:lnSpc>
+              <a:buAutoNum type="arabicPeriod"/>
             </a:pPr>
             <a:r>
-              <a:rPr lang="en-US" dirty="0"/>
-              <a:t>			</a:t>
-            </a:r>
-            <a:r>
-              <a:rPr lang="en-US" i="1" dirty="0"/>
-              <a:t>renders</a:t>
-            </a:r>
-            <a:r>
-              <a:rPr lang="en-US" dirty="0"/>
-              <a:t> </a:t>
-            </a:r>
-            <a:r>
               <a:rPr lang="en-US" b="1" dirty="0"/>
-              <a:t>answered questions, created questions, score tallies</a:t>
-            </a:r>
-          </a:p>
-          <a:p>
-            <a:pPr lvl="2"/>
-            <a:r>
-              <a:rPr lang="en-US" dirty="0"/>
-              <a:t>Avatar Component: </a:t>
-            </a:r>
-            <a:r>
-              <a:rPr lang="en-US" i="1" dirty="0"/>
-              <a:t>renders</a:t>
-            </a:r>
-            <a:r>
-              <a:rPr lang="en-US" dirty="0"/>
-              <a:t> </a:t>
-            </a:r>
+              <a:t>GET_USER</a:t>
+            </a:r>
+          </a:p>
+          <a:p>
+            <a:pPr marL="1371600" lvl="2" indent="-457200">
+              <a:lnSpc>
+                <a:spcPct val="100000"/>
+              </a:lnSpc>
+              <a:buAutoNum type="arabicPeriod"/>
+            </a:pPr>
             <a:r>
               <a:rPr lang="en-US" b="1" dirty="0"/>
-              <a:t>User Avatar</a:t>
+              <a:t>GET_ANSWEREDOPTIONS</a:t>
+            </a:r>
+          </a:p>
+          <a:p>
+            <a:pPr marL="1371600" lvl="2" indent="-457200">
+              <a:lnSpc>
+                <a:spcPct val="100000"/>
+              </a:lnSpc>
+              <a:buAutoNum type="arabicPeriod"/>
+            </a:pPr>
+            <a:r>
+              <a:rPr lang="en-US" b="1" dirty="0"/>
+              <a:t>GET_NEWOPTIONS</a:t>
+            </a:r>
+          </a:p>
+          <a:p>
+            <a:pPr marL="1371600" lvl="2" indent="-457200">
+              <a:lnSpc>
+                <a:spcPct val="100000"/>
+              </a:lnSpc>
+              <a:buAutoNum type="arabicPeriod"/>
+            </a:pPr>
+            <a:r>
+              <a:rPr lang="en-US" b="1" dirty="0"/>
+              <a:t>GET_SCORE</a:t>
+            </a:r>
+          </a:p>
+          <a:p>
+            <a:pPr marL="1371600" lvl="2" indent="-457200">
+              <a:lnSpc>
+                <a:spcPct val="100000"/>
+              </a:lnSpc>
+              <a:buFont typeface="Arial" panose="020B0604020202020204" pitchFamily="34" charset="0"/>
+              <a:buAutoNum type="arabicPeriod"/>
+            </a:pPr>
+            <a:r>
+              <a:rPr lang="en-US" b="1" dirty="0"/>
+              <a:t>GET_AVATAR</a:t>
+            </a:r>
+          </a:p>
+          <a:p>
+            <a:pPr marL="1371600" lvl="2" indent="-457200">
+              <a:lnSpc>
+                <a:spcPct val="100000"/>
+              </a:lnSpc>
+              <a:buFont typeface="Arial" panose="020B0604020202020204" pitchFamily="34" charset="0"/>
+              <a:buAutoNum type="arabicPeriod"/>
+            </a:pPr>
+            <a:r>
+              <a:rPr lang="en-US" b="1" dirty="0"/>
+              <a:t>GET_OPTIONS</a:t>
+            </a:r>
+          </a:p>
+          <a:p>
+            <a:pPr marL="1371600" lvl="2" indent="-457200">
+              <a:lnSpc>
+                <a:spcPct val="100000"/>
+              </a:lnSpc>
+              <a:buFont typeface="Arial" panose="020B0604020202020204" pitchFamily="34" charset="0"/>
+              <a:buAutoNum type="arabicPeriod"/>
+            </a:pPr>
+            <a:r>
+              <a:rPr lang="en-US" b="1" dirty="0"/>
+              <a:t>GET_VOTES</a:t>
+            </a:r>
+          </a:p>
+          <a:p>
+            <a:pPr marL="1371600" lvl="2" indent="-457200">
+              <a:lnSpc>
+                <a:spcPct val="100000"/>
+              </a:lnSpc>
+              <a:buFont typeface="Arial" panose="020B0604020202020204" pitchFamily="34" charset="0"/>
+              <a:buAutoNum type="arabicPeriod"/>
+            </a:pPr>
+            <a:r>
+              <a:rPr lang="en-US" b="1" dirty="0"/>
+              <a:t>GET_PERCENTAGES</a:t>
             </a:r>
             <a:endParaRPr lang="en-US" dirty="0"/>
           </a:p>
           <a:p>
-            <a:pPr lvl="1"/>
-            <a:r>
-              <a:rPr lang="en-US" dirty="0"/>
-              <a:t>Nav Component: </a:t>
-            </a:r>
-            <a:r>
-              <a:rPr lang="en-US" i="1" dirty="0"/>
-              <a:t>renders</a:t>
-            </a:r>
-            <a:r>
-              <a:rPr lang="en-US" dirty="0"/>
-              <a:t> </a:t>
-            </a:r>
-            <a:r>
-              <a:rPr lang="en-US" b="1" dirty="0"/>
-              <a:t>Home, New Question, Leader Board, Logout, and Current Login User labels</a:t>
-            </a:r>
+            <a:pPr marL="1371600" lvl="2" indent="-457200">
+              <a:lnSpc>
+                <a:spcPct val="100000"/>
+              </a:lnSpc>
+              <a:buFont typeface="Arial" panose="020B0604020202020204" pitchFamily="34" charset="0"/>
+              <a:buAutoNum type="arabicPeriod"/>
+            </a:pPr>
+            <a:endParaRPr lang="en-US" b="1" dirty="0"/>
+          </a:p>
+          <a:p>
+            <a:pPr marL="1371600" lvl="2" indent="-457200">
+              <a:lnSpc>
+                <a:spcPct val="100000"/>
+              </a:lnSpc>
+              <a:buFont typeface="Arial" panose="020B0604020202020204" pitchFamily="34" charset="0"/>
+              <a:buAutoNum type="arabicPeriod"/>
+            </a:pPr>
+            <a:endParaRPr lang="en-US" b="1" dirty="0"/>
+          </a:p>
+          <a:p>
+            <a:pPr marL="1371600" lvl="2" indent="-457200">
+              <a:lnSpc>
+                <a:spcPct val="100000"/>
+              </a:lnSpc>
+              <a:buAutoNum type="arabicPeriod"/>
+            </a:pPr>
+            <a:endParaRPr lang="en-US" b="1" dirty="0"/>
           </a:p>
           <a:p>
             <a:pPr marL="457200" lvl="1" indent="0">
               <a:buNone/>
             </a:pPr>
-            <a:r>
-              <a:rPr lang="en-US" dirty="0"/>
-              <a:t>		 </a:t>
-            </a:r>
-            <a:r>
-              <a:rPr lang="en-US" i="1" dirty="0"/>
-              <a:t>renders</a:t>
-            </a:r>
-            <a:r>
-              <a:rPr lang="en-US" dirty="0"/>
-              <a:t> </a:t>
-            </a:r>
-            <a:r>
-              <a:rPr lang="en-US" b="1" dirty="0"/>
-              <a:t>Answered, Unanswered, </a:t>
-            </a:r>
-            <a:r>
-              <a:rPr lang="en-US" b="1" dirty="0" err="1"/>
-              <a:t>NewQuestion</a:t>
-            </a:r>
-            <a:r>
-              <a:rPr lang="en-US" b="1" dirty="0"/>
-              <a:t>, </a:t>
-            </a:r>
-            <a:r>
-              <a:rPr lang="en-US" b="1" dirty="0" err="1"/>
-              <a:t>LeaderBoard</a:t>
-            </a:r>
-            <a:r>
-              <a:rPr lang="en-US" b="1" dirty="0"/>
-              <a:t>, </a:t>
-            </a:r>
-            <a:r>
-              <a:rPr lang="en-US" b="1" dirty="0" err="1"/>
-              <a:t>SignIn</a:t>
-            </a:r>
-            <a:r>
-              <a:rPr lang="en-US" b="1" dirty="0"/>
-              <a:t> views</a:t>
-            </a:r>
-          </a:p>
-          <a:p>
-            <a:pPr lvl="1"/>
             <a:endParaRPr lang="en-US" dirty="0"/>
           </a:p>
           <a:p>
